--- a/Introduction to Android Development.pptx
+++ b/Introduction to Android Development.pptx
@@ -285,7 +285,7 @@
           <a:p>
             <a:fld id="{276D79ED-3FA7-4EF8-964B-EB8BCFAB02F8}" type="datetimeFigureOut">
               <a:rPr lang="en-US" smtClean="0"/>
-              <a:t>11/23/2019</a:t>
+              <a:t>11/24/2019</a:t>
             </a:fld>
             <a:endParaRPr lang="en-US"/>
           </a:p>
@@ -465,7 +465,7 @@
           <a:p>
             <a:fld id="{276D79ED-3FA7-4EF8-964B-EB8BCFAB02F8}" type="datetimeFigureOut">
               <a:rPr lang="en-US" smtClean="0"/>
-              <a:t>11/23/2019</a:t>
+              <a:t>11/24/2019</a:t>
             </a:fld>
             <a:endParaRPr lang="en-US"/>
           </a:p>
@@ -713,7 +713,7 @@
           <a:p>
             <a:fld id="{276D79ED-3FA7-4EF8-964B-EB8BCFAB02F8}" type="datetimeFigureOut">
               <a:rPr lang="en-US" smtClean="0"/>
-              <a:t>11/23/2019</a:t>
+              <a:t>11/24/2019</a:t>
             </a:fld>
             <a:endParaRPr lang="en-US"/>
           </a:p>
@@ -945,7 +945,7 @@
           <a:p>
             <a:fld id="{276D79ED-3FA7-4EF8-964B-EB8BCFAB02F8}" type="datetimeFigureOut">
               <a:rPr lang="en-US" smtClean="0"/>
-              <a:t>11/23/2019</a:t>
+              <a:t>11/24/2019</a:t>
             </a:fld>
             <a:endParaRPr lang="en-US"/>
           </a:p>
@@ -1312,7 +1312,7 @@
           <a:p>
             <a:fld id="{276D79ED-3FA7-4EF8-964B-EB8BCFAB02F8}" type="datetimeFigureOut">
               <a:rPr lang="en-US" smtClean="0"/>
-              <a:t>11/23/2019</a:t>
+              <a:t>11/24/2019</a:t>
             </a:fld>
             <a:endParaRPr lang="en-US"/>
           </a:p>
@@ -1430,7 +1430,7 @@
           <a:p>
             <a:fld id="{276D79ED-3FA7-4EF8-964B-EB8BCFAB02F8}" type="datetimeFigureOut">
               <a:rPr lang="en-US" smtClean="0"/>
-              <a:t>11/23/2019</a:t>
+              <a:t>11/24/2019</a:t>
             </a:fld>
             <a:endParaRPr lang="en-US"/>
           </a:p>
@@ -1525,7 +1525,7 @@
           <a:p>
             <a:fld id="{276D79ED-3FA7-4EF8-964B-EB8BCFAB02F8}" type="datetimeFigureOut">
               <a:rPr lang="en-US" smtClean="0"/>
-              <a:t>11/23/2019</a:t>
+              <a:t>11/24/2019</a:t>
             </a:fld>
             <a:endParaRPr lang="en-US"/>
           </a:p>
@@ -1802,7 +1802,7 @@
           <a:p>
             <a:fld id="{276D79ED-3FA7-4EF8-964B-EB8BCFAB02F8}" type="datetimeFigureOut">
               <a:rPr lang="en-US" smtClean="0"/>
-              <a:t>11/23/2019</a:t>
+              <a:t>11/24/2019</a:t>
             </a:fld>
             <a:endParaRPr lang="en-US"/>
           </a:p>
@@ -2059,7 +2059,7 @@
           <a:p>
             <a:fld id="{276D79ED-3FA7-4EF8-964B-EB8BCFAB02F8}" type="datetimeFigureOut">
               <a:rPr lang="en-US" smtClean="0"/>
-              <a:t>11/23/2019</a:t>
+              <a:t>11/24/2019</a:t>
             </a:fld>
             <a:endParaRPr lang="en-US"/>
           </a:p>
@@ -2279,7 +2279,7 @@
             <a:fld id="{276D79ED-3FA7-4EF8-964B-EB8BCFAB02F8}" type="datetimeFigureOut">
               <a:rPr lang="en-US" smtClean="0"/>
               <a:pPr/>
-              <a:t>11/23/2019</a:t>
+              <a:t>11/24/2019</a:t>
             </a:fld>
             <a:endParaRPr lang="en-US"/>
           </a:p>
@@ -5746,6 +5746,13 @@
   <p:clrMapOvr>
     <a:masterClrMapping/>
   </p:clrMapOvr>
+  <p:timing>
+    <p:tnLst>
+      <p:par>
+        <p:cTn id="1" dur="indefinite" restart="never" nodeType="tmRoot"/>
+      </p:par>
+    </p:tnLst>
+  </p:timing>
 </p:sld>
 </file>
 
